--- a/modulo-01_fundamentos/taller-git/materiales-taller-git.pptx
+++ b/modulo-01_fundamentos/taller-git/materiales-taller-git.pptx
@@ -10541,225 +10541,12 @@
             <a:pPr lvl="1"/>
             <a:r>
               <a:rPr lang="es-ES_tradnl" sz="1400" dirty="0"/>
-              <a:t>Aprobación de Líder Técnico:</a:t>
+              <a:t>Aprobación de Líder Técnico</a:t>
             </a:r>
           </a:p>
           <a:p>
             <a:pPr lvl="1"/>
             <a:endParaRPr lang="es-ES_tradnl" sz="1400" dirty="0"/>
-          </a:p>
-        </p:txBody>
-      </p:sp>
-      <p:sp>
-        <p:nvSpPr>
-          <p:cNvPr id="9647" name="TextBox 37">
-            <a:extLst>
-              <a:ext uri="{FF2B5EF4-FFF2-40B4-BE49-F238E27FC236}">
-                <a16:creationId xmlns:a16="http://schemas.microsoft.com/office/drawing/2014/main" id="{B7C8F53D-5528-962C-A104-68F94A02CB7A}"/>
-              </a:ext>
-            </a:extLst>
-          </p:cNvPr>
-          <p:cNvSpPr txBox="1"/>
-          <p:nvPr/>
-        </p:nvSpPr>
-        <p:spPr>
-          <a:xfrm>
-            <a:off x="5537920" y="6986174"/>
-            <a:ext cx="2423896" cy="184666"/>
-          </a:xfrm>
-          <a:prstGeom prst="rect">
-            <a:avLst/>
-          </a:prstGeom>
-        </p:spPr>
-        <p:txBody>
-          <a:bodyPr vert="horz" wrap="square" lIns="0" tIns="0" rIns="0" bIns="0" rtlCol="0">
-            <a:spAutoFit/>
-          </a:bodyPr>
-          <a:lstStyle>
-            <a:lvl1pPr lvl="0" indent="0">
-              <a:lnSpc>
-                <a:spcPct val="100000"/>
-              </a:lnSpc>
-              <a:spcBef>
-                <a:spcPts val="300"/>
-              </a:spcBef>
-              <a:spcAft>
-                <a:spcPts val="300"/>
-              </a:spcAft>
-              <a:buClr>
-                <a:schemeClr val="tx1"/>
-              </a:buClr>
-              <a:buSzPct val="100000"/>
-              <a:buFont typeface="Segoe UI" panose="020B0502040204020203" pitchFamily="34" charset="0"/>
-              <a:buChar char="​"/>
-              <a:defRPr lang="en-US" sz="1600" dirty="0">
-                <a:latin typeface="Arial" panose="020B0604020202020204" pitchFamily="34" charset="0"/>
-                <a:cs typeface="Arial" panose="020B0604020202020204" pitchFamily="34" charset="0"/>
-                <a:sym typeface="Arial" panose="020B0604020202020204" pitchFamily="34" charset="0"/>
-              </a:defRPr>
-            </a:lvl1pPr>
-            <a:lvl2pPr marL="228600" lvl="1" indent="-225425">
-              <a:lnSpc>
-                <a:spcPct val="100000"/>
-              </a:lnSpc>
-              <a:spcBef>
-                <a:spcPts val="0"/>
-              </a:spcBef>
-              <a:spcAft>
-                <a:spcPts val="300"/>
-              </a:spcAft>
-              <a:buClr>
-                <a:schemeClr val="tx1"/>
-              </a:buClr>
-              <a:buSzPct val="110000"/>
-              <a:buFont typeface="Wingdings" panose="05000000000000000000" pitchFamily="2" charset="2"/>
-              <a:buChar char=""/>
-              <a:defRPr lang="en-US" sz="1600" dirty="0">
-                <a:latin typeface="Arial" panose="020B0604020202020204" pitchFamily="34" charset="0"/>
-                <a:cs typeface="Arial" panose="020B0604020202020204" pitchFamily="34" charset="0"/>
-                <a:sym typeface="Arial" panose="020B0604020202020204" pitchFamily="34" charset="0"/>
-              </a:defRPr>
-            </a:lvl2pPr>
-            <a:lvl3pPr marL="442913" lvl="2" indent="-214313">
-              <a:lnSpc>
-                <a:spcPct val="100000"/>
-              </a:lnSpc>
-              <a:spcBef>
-                <a:spcPts val="0"/>
-              </a:spcBef>
-              <a:spcAft>
-                <a:spcPts val="300"/>
-              </a:spcAft>
-              <a:buClr>
-                <a:schemeClr val="tx1"/>
-              </a:buClr>
-              <a:buSzPct val="110000"/>
-              <a:buFont typeface="Arial" panose="020B0604020202020204" pitchFamily="34" charset="0"/>
-              <a:buChar char="‒"/>
-              <a:defRPr lang="en-US" sz="1600" dirty="0">
-                <a:latin typeface="Arial" panose="020B0604020202020204" pitchFamily="34" charset="0"/>
-                <a:cs typeface="Arial" panose="020B0604020202020204" pitchFamily="34" charset="0"/>
-                <a:sym typeface="Arial" panose="020B0604020202020204" pitchFamily="34" charset="0"/>
-              </a:defRPr>
-            </a:lvl3pPr>
-            <a:lvl4pPr marL="598488" lvl="3" indent="-152400">
-              <a:lnSpc>
-                <a:spcPct val="100000"/>
-              </a:lnSpc>
-              <a:spcBef>
-                <a:spcPts val="0"/>
-              </a:spcBef>
-              <a:spcAft>
-                <a:spcPts val="300"/>
-              </a:spcAft>
-              <a:buClr>
-                <a:schemeClr val="tx1"/>
-              </a:buClr>
-              <a:buSzPct val="100000"/>
-              <a:buFont typeface="Arial" panose="020B0604020202020204" pitchFamily="34" charset="0"/>
-              <a:buChar char="•"/>
-              <a:defRPr lang="en-US" sz="1600" dirty="0">
-                <a:latin typeface="Arial" panose="020B0604020202020204" pitchFamily="34" charset="0"/>
-                <a:cs typeface="Arial" panose="020B0604020202020204" pitchFamily="34" charset="0"/>
-                <a:sym typeface="Arial" panose="020B0604020202020204" pitchFamily="34" charset="0"/>
-              </a:defRPr>
-            </a:lvl4pPr>
-            <a:lvl5pPr marL="817563" lvl="4" indent="-147638">
-              <a:lnSpc>
-                <a:spcPct val="100000"/>
-              </a:lnSpc>
-              <a:spcBef>
-                <a:spcPts val="0"/>
-              </a:spcBef>
-              <a:spcAft>
-                <a:spcPts val="300"/>
-              </a:spcAft>
-              <a:buClr>
-                <a:schemeClr val="tx1"/>
-              </a:buClr>
-              <a:buSzPct val="100000"/>
-              <a:buFont typeface="Arial" panose="020B0604020202020204" pitchFamily="34" charset="0"/>
-              <a:buChar char="̶"/>
-              <a:defRPr lang="en-US" sz="1600" dirty="0">
-                <a:latin typeface="Arial" panose="020B0604020202020204" pitchFamily="34" charset="0"/>
-                <a:cs typeface="Arial" panose="020B0604020202020204" pitchFamily="34" charset="0"/>
-                <a:sym typeface="Arial" panose="020B0604020202020204" pitchFamily="34" charset="0"/>
-              </a:defRPr>
-            </a:lvl5pPr>
-            <a:lvl6pPr marL="1085850" indent="-171450">
-              <a:lnSpc>
-                <a:spcPct val="100000"/>
-              </a:lnSpc>
-              <a:spcBef>
-                <a:spcPts val="0"/>
-              </a:spcBef>
-              <a:spcAft>
-                <a:spcPts val="300"/>
-              </a:spcAft>
-              <a:buSzPct val="100000"/>
-              <a:buFont typeface="Arial" panose="020B0604020202020204" pitchFamily="34" charset="0"/>
-              <a:buChar char="▫"/>
-              <a:defRPr sz="1600">
-                <a:cs typeface="Arial" panose="020B0604020202020204" pitchFamily="34" charset="0"/>
-              </a:defRPr>
-            </a:lvl6pPr>
-            <a:lvl7pPr marL="1085850" indent="-171450">
-              <a:lnSpc>
-                <a:spcPct val="100000"/>
-              </a:lnSpc>
-              <a:spcBef>
-                <a:spcPts val="0"/>
-              </a:spcBef>
-              <a:spcAft>
-                <a:spcPts val="300"/>
-              </a:spcAft>
-              <a:buSzPct val="100000"/>
-              <a:buFont typeface="Arial" panose="020B0604020202020204" pitchFamily="34" charset="0"/>
-              <a:buChar char="▫"/>
-              <a:defRPr sz="1600">
-                <a:cs typeface="Arial" panose="020B0604020202020204" pitchFamily="34" charset="0"/>
-              </a:defRPr>
-            </a:lvl7pPr>
-            <a:lvl8pPr marL="1085850" indent="-171450">
-              <a:lnSpc>
-                <a:spcPct val="100000"/>
-              </a:lnSpc>
-              <a:spcBef>
-                <a:spcPts val="0"/>
-              </a:spcBef>
-              <a:spcAft>
-                <a:spcPts val="300"/>
-              </a:spcAft>
-              <a:buSzPct val="100000"/>
-              <a:buFont typeface="Arial" panose="020B0604020202020204" pitchFamily="34" charset="0"/>
-              <a:buChar char="▫"/>
-              <a:defRPr sz="1600">
-                <a:cs typeface="Arial" panose="020B0604020202020204" pitchFamily="34" charset="0"/>
-              </a:defRPr>
-            </a:lvl8pPr>
-            <a:lvl9pPr marL="1085850" indent="-171450">
-              <a:lnSpc>
-                <a:spcPct val="100000"/>
-              </a:lnSpc>
-              <a:spcBef>
-                <a:spcPts val="0"/>
-              </a:spcBef>
-              <a:spcAft>
-                <a:spcPts val="300"/>
-              </a:spcAft>
-              <a:buSzPct val="100000"/>
-              <a:buFont typeface="Arial" panose="020B0604020202020204" pitchFamily="34" charset="0"/>
-              <a:buChar char="▫"/>
-              <a:defRPr sz="1600">
-                <a:cs typeface="Arial" panose="020B0604020202020204" pitchFamily="34" charset="0"/>
-              </a:defRPr>
-            </a:lvl9pPr>
-          </a:lstStyle>
-          <a:p>
-            <a:r>
-              <a:rPr lang="es-ES_tradnl" sz="1200" b="1" dirty="0"/>
-              <a:t>Viviana Brochero Fonseca</a:t>
-            </a:r>
           </a:p>
         </p:txBody>
       </p:sp>
@@ -15034,8 +14821,8 @@
         </p:nvSpPr>
         <p:spPr>
           <a:xfrm>
-            <a:off x="508794" y="1185107"/>
-            <a:ext cx="6553200" cy="6994607"/>
+            <a:off x="584994" y="1717379"/>
+            <a:ext cx="8991600" cy="6994607"/>
           </a:xfrm>
           <a:prstGeom prst="rect">
             <a:avLst/>
@@ -34884,15 +34671,6 @@
 </file>
 
 <file path=customXml/item2.xml><?xml version="1.0" encoding="utf-8"?>
-<?mso-contentType ?>
-<FormTemplates xmlns="http://schemas.microsoft.com/sharepoint/v3/contenttype/forms">
-  <Display>DocumentLibraryForm</Display>
-  <Edit>DocumentLibraryForm</Edit>
-  <New>DocumentLibraryForm</New>
-</FormTemplates>
-</file>
-
-<file path=customXml/item3.xml><?xml version="1.0" encoding="utf-8"?>
 <p:properties xmlns:p="http://schemas.microsoft.com/office/2006/metadata/properties" xmlns:xsi="http://www.w3.org/2001/XMLSchema-instance" xmlns:pc="http://schemas.microsoft.com/office/infopath/2007/PartnerControls">
   <documentManagement>
     <TaxCatchAll xmlns="cd0e0202-030e-462a-aa27-6a6a82479e70" xsi:nil="true"/>
@@ -34901,6 +34679,15 @@
     </lcf76f155ced4ddcb4097134ff3c332f>
   </documentManagement>
 </p:properties>
+</file>
+
+<file path=customXml/item3.xml><?xml version="1.0" encoding="utf-8"?>
+<?mso-contentType ?>
+<FormTemplates xmlns="http://schemas.microsoft.com/sharepoint/v3/contenttype/forms">
+  <Display>DocumentLibraryForm</Display>
+  <Edit>DocumentLibraryForm</Edit>
+  <New>DocumentLibraryForm</New>
+</FormTemplates>
 </file>
 
 <file path=customXml/itemProps1.xml><?xml version="1.0" encoding="utf-8"?>
@@ -34923,14 +34710,6 @@
 </file>
 
 <file path=customXml/itemProps2.xml><?xml version="1.0" encoding="utf-8"?>
-<ds:datastoreItem xmlns:ds="http://schemas.openxmlformats.org/officeDocument/2006/customXml" ds:itemID="{5A23B340-D820-43E7-9E27-6EAE6AACC61A}">
-  <ds:schemaRefs>
-    <ds:schemaRef ds:uri="http://schemas.microsoft.com/sharepoint/v3/contenttype/forms"/>
-  </ds:schemaRefs>
-</ds:datastoreItem>
-</file>
-
-<file path=customXml/itemProps3.xml><?xml version="1.0" encoding="utf-8"?>
 <ds:datastoreItem xmlns:ds="http://schemas.openxmlformats.org/officeDocument/2006/customXml" ds:itemID="{D6E0BB8D-833E-4C50-9216-ACEFA67B89FD}">
   <ds:schemaRefs>
     <ds:schemaRef ds:uri="http://purl.org/dc/dcmitype/"/>
@@ -34945,4 +34724,12 @@
     <ds:schemaRef ds:uri="6c275f7e-0654-4a6d-8904-2cca8e28e712"/>
   </ds:schemaRefs>
 </ds:datastoreItem>
+</file>
+
+<file path=customXml/itemProps3.xml><?xml version="1.0" encoding="utf-8"?>
+<ds:datastoreItem xmlns:ds="http://schemas.openxmlformats.org/officeDocument/2006/customXml" ds:itemID="{5A23B340-D820-43E7-9E27-6EAE6AACC61A}">
+  <ds:schemaRefs>
+    <ds:schemaRef ds:uri="http://schemas.microsoft.com/sharepoint/v3/contenttype/forms"/>
+  </ds:schemaRefs>
+</ds:datastoreItem>
 </file>